--- a/Proyecto Machine learning.pptx
+++ b/Proyecto Machine learning.pptx
@@ -5,31 +5,32 @@
     <p:sldMasterId id="2147483669" r:id="rId1"/>
   </p:sldMasterIdLst>
   <p:notesMasterIdLst>
-    <p:notesMasterId r:id="rId24"/>
+    <p:notesMasterId r:id="rId25"/>
   </p:notesMasterIdLst>
   <p:sldIdLst>
     <p:sldId id="256" r:id="rId2"/>
     <p:sldId id="282" r:id="rId3"/>
-    <p:sldId id="257" r:id="rId4"/>
-    <p:sldId id="258" r:id="rId5"/>
-    <p:sldId id="259" r:id="rId6"/>
-    <p:sldId id="260" r:id="rId7"/>
-    <p:sldId id="261" r:id="rId8"/>
-    <p:sldId id="262" r:id="rId9"/>
-    <p:sldId id="263" r:id="rId10"/>
-    <p:sldId id="264" r:id="rId11"/>
-    <p:sldId id="265" r:id="rId12"/>
-    <p:sldId id="267" r:id="rId13"/>
-    <p:sldId id="266" r:id="rId14"/>
-    <p:sldId id="270" r:id="rId15"/>
-    <p:sldId id="268" r:id="rId16"/>
-    <p:sldId id="280" r:id="rId17"/>
-    <p:sldId id="269" r:id="rId18"/>
-    <p:sldId id="279" r:id="rId19"/>
-    <p:sldId id="276" r:id="rId20"/>
-    <p:sldId id="274" r:id="rId21"/>
-    <p:sldId id="281" r:id="rId22"/>
-    <p:sldId id="278" r:id="rId23"/>
+    <p:sldId id="283" r:id="rId4"/>
+    <p:sldId id="257" r:id="rId5"/>
+    <p:sldId id="258" r:id="rId6"/>
+    <p:sldId id="259" r:id="rId7"/>
+    <p:sldId id="260" r:id="rId8"/>
+    <p:sldId id="261" r:id="rId9"/>
+    <p:sldId id="262" r:id="rId10"/>
+    <p:sldId id="263" r:id="rId11"/>
+    <p:sldId id="264" r:id="rId12"/>
+    <p:sldId id="265" r:id="rId13"/>
+    <p:sldId id="267" r:id="rId14"/>
+    <p:sldId id="266" r:id="rId15"/>
+    <p:sldId id="270" r:id="rId16"/>
+    <p:sldId id="268" r:id="rId17"/>
+    <p:sldId id="280" r:id="rId18"/>
+    <p:sldId id="269" r:id="rId19"/>
+    <p:sldId id="279" r:id="rId20"/>
+    <p:sldId id="276" r:id="rId21"/>
+    <p:sldId id="274" r:id="rId22"/>
+    <p:sldId id="281" r:id="rId23"/>
+    <p:sldId id="278" r:id="rId24"/>
   </p:sldIdLst>
   <p:sldSz cx="9906000" cy="6858000" type="A4"/>
   <p:notesSz cx="6858000" cy="9144000"/>
@@ -218,7 +219,7 @@
           <a:p>
             <a:fld id="{EC8B0462-0327-490D-8FC0-59C36BDC16B1}" type="datetimeFigureOut">
               <a:rPr lang="es-ES" smtClean="0"/>
-              <a:t>10/01/2023</a:t>
+              <a:t>11/01/2023</a:t>
             </a:fld>
             <a:endParaRPr lang="es-ES"/>
           </a:p>
@@ -4768,7 +4769,7 @@
           <a:p>
             <a:fld id="{6DFC09D5-03A9-4F00-A832-845DECD95D67}" type="datetime1">
               <a:rPr lang="en-US" smtClean="0"/>
-              <a:t>1/10/2023</a:t>
+              <a:t>1/11/2023</a:t>
             </a:fld>
             <a:endParaRPr lang="en-US" dirty="0"/>
           </a:p>
@@ -5035,7 +5036,7 @@
           <a:p>
             <a:fld id="{BC8D8FCD-5CB1-47BF-8C50-E5584B9C267A}" type="datetime1">
               <a:rPr lang="en-US" smtClean="0"/>
-              <a:t>1/10/2023</a:t>
+              <a:t>1/11/2023</a:t>
             </a:fld>
             <a:endParaRPr lang="en-US" dirty="0"/>
           </a:p>
@@ -5231,7 +5232,7 @@
           <a:p>
             <a:fld id="{192FCB90-7E56-49D0-9544-0A53B0387B2F}" type="datetime1">
               <a:rPr lang="en-US" smtClean="0"/>
-              <a:t>1/10/2023</a:t>
+              <a:t>1/11/2023</a:t>
             </a:fld>
             <a:endParaRPr lang="en-US" dirty="0"/>
           </a:p>
@@ -5494,7 +5495,7 @@
           <a:p>
             <a:fld id="{88BD7FEC-5518-4EDE-BBDD-D48811215D92}" type="datetime1">
               <a:rPr lang="en-US" smtClean="0"/>
-              <a:t>1/10/2023</a:t>
+              <a:t>1/11/2023</a:t>
             </a:fld>
             <a:endParaRPr lang="en-US" dirty="0"/>
           </a:p>
@@ -5928,7 +5929,7 @@
           <a:p>
             <a:fld id="{4F37B742-5EAC-4DF5-90EE-5F8DB0AD1CC1}" type="datetime1">
               <a:rPr lang="en-US" smtClean="0"/>
-              <a:t>1/10/2023</a:t>
+              <a:t>1/11/2023</a:t>
             </a:fld>
             <a:endParaRPr lang="en-US" dirty="0"/>
           </a:p>
@@ -6474,7 +6475,7 @@
           <a:p>
             <a:fld id="{82CCA911-FF0F-47D9-9A0D-B510F86F2BE1}" type="datetime1">
               <a:rPr lang="en-US" smtClean="0"/>
-              <a:t>1/10/2023</a:t>
+              <a:t>1/11/2023</a:t>
             </a:fld>
             <a:endParaRPr lang="en-US" dirty="0"/>
           </a:p>
@@ -7194,7 +7195,7 @@
           <a:p>
             <a:fld id="{11E425ED-4133-49BD-83B5-F33CF358EF38}" type="datetime1">
               <a:rPr lang="en-US" smtClean="0"/>
-              <a:t>1/10/2023</a:t>
+              <a:t>1/11/2023</a:t>
             </a:fld>
             <a:endParaRPr lang="en-US" dirty="0"/>
           </a:p>
@@ -7368,7 +7369,7 @@
           <a:p>
             <a:fld id="{9E735BAD-6E2E-4577-BAB0-E87734FDF8C7}" type="datetime1">
               <a:rPr lang="en-US" smtClean="0"/>
-              <a:t>1/10/2023</a:t>
+              <a:t>1/11/2023</a:t>
             </a:fld>
             <a:endParaRPr lang="en-US" dirty="0"/>
           </a:p>
@@ -7548,7 +7549,7 @@
           <a:p>
             <a:fld id="{C727852F-3FDE-4DD6-96D4-4CB1866805E9}" type="datetime1">
               <a:rPr lang="en-US" smtClean="0"/>
-              <a:t>1/10/2023</a:t>
+              <a:t>1/11/2023</a:t>
             </a:fld>
             <a:endParaRPr lang="en-US" dirty="0"/>
           </a:p>
@@ -7733,7 +7734,7 @@
           <a:p>
             <a:fld id="{F681BBA2-EF74-47BA-9221-00C1C7A8C960}" type="datetime1">
               <a:rPr lang="en-US" smtClean="0"/>
-              <a:t>1/10/2023</a:t>
+              <a:t>1/11/2023</a:t>
             </a:fld>
             <a:endParaRPr lang="en-US" dirty="0"/>
           </a:p>
@@ -7993,7 +7994,7 @@
           <a:p>
             <a:fld id="{42A1E15C-BF50-4FC5-B208-534641799C6E}" type="datetime1">
               <a:rPr lang="en-US" smtClean="0"/>
-              <a:t>1/10/2023</a:t>
+              <a:t>1/11/2023</a:t>
             </a:fld>
             <a:endParaRPr lang="en-US" dirty="0"/>
           </a:p>
@@ -8225,7 +8226,7 @@
           <a:p>
             <a:fld id="{4304559A-E50D-4BF6-AA73-E53580DA9E47}" type="datetime1">
               <a:rPr lang="en-US" smtClean="0"/>
-              <a:t>1/10/2023</a:t>
+              <a:t>1/11/2023</a:t>
             </a:fld>
             <a:endParaRPr lang="en-US" dirty="0"/>
           </a:p>
@@ -8606,7 +8607,7 @@
           <a:p>
             <a:fld id="{9F799EDD-E63C-4DC1-945C-34576847C67F}" type="datetime1">
               <a:rPr lang="en-US" smtClean="0"/>
-              <a:t>1/10/2023</a:t>
+              <a:t>1/11/2023</a:t>
             </a:fld>
             <a:endParaRPr lang="en-US" dirty="0"/>
           </a:p>
@@ -8724,7 +8725,7 @@
           <a:p>
             <a:fld id="{7A1F6E33-A613-4318-8C4A-F0451C6DE345}" type="datetime1">
               <a:rPr lang="en-US" smtClean="0"/>
-              <a:t>1/10/2023</a:t>
+              <a:t>1/11/2023</a:t>
             </a:fld>
             <a:endParaRPr lang="en-US" dirty="0"/>
           </a:p>
@@ -8819,7 +8820,7 @@
           <a:p>
             <a:fld id="{165AEE35-EB07-4CC2-8016-78946892A612}" type="datetime1">
               <a:rPr lang="en-US" smtClean="0"/>
-              <a:t>1/10/2023</a:t>
+              <a:t>1/11/2023</a:t>
             </a:fld>
             <a:endParaRPr lang="en-US" dirty="0"/>
           </a:p>
@@ -9068,7 +9069,7 @@
           <a:p>
             <a:fld id="{E5A74D78-17AC-4239-9721-305DD2A08D80}" type="datetime1">
               <a:rPr lang="en-US" smtClean="0"/>
-              <a:t>1/10/2023</a:t>
+              <a:t>1/11/2023</a:t>
             </a:fld>
             <a:endParaRPr lang="en-US" dirty="0"/>
           </a:p>
@@ -9320,7 +9321,7 @@
           <a:p>
             <a:fld id="{8654153A-F391-449C-AB38-21C59F83CEAE}" type="datetime1">
               <a:rPr lang="en-US" smtClean="0"/>
-              <a:t>1/10/2023</a:t>
+              <a:t>1/11/2023</a:t>
             </a:fld>
             <a:endParaRPr lang="en-US" dirty="0"/>
           </a:p>
@@ -12404,7 +12405,7 @@
           <a:p>
             <a:fld id="{EAA2F08E-1971-4E29-BAB0-172713375101}" type="datetime1">
               <a:rPr lang="en-US" smtClean="0"/>
-              <a:t>1/10/2023</a:t>
+              <a:t>1/11/2023</a:t>
             </a:fld>
             <a:endParaRPr lang="en-US" dirty="0"/>
           </a:p>
@@ -12992,6 +12993,166 @@
       </p:grpSpPr>
       <p:sp>
         <p:nvSpPr>
+          <p:cNvPr id="3" name="Marcador de contenido 2">
+            <a:extLst>
+              <a:ext uri="{FF2B5EF4-FFF2-40B4-BE49-F238E27FC236}">
+                <a16:creationId xmlns:a16="http://schemas.microsoft.com/office/drawing/2014/main" id="{2D28CEDF-8371-12C0-F58A-60DB2AFA13EB}"/>
+              </a:ext>
+            </a:extLst>
+          </p:cNvPr>
+          <p:cNvSpPr>
+            <a:spLocks noGrp="1"/>
+          </p:cNvSpPr>
+          <p:nvPr>
+            <p:ph idx="1"/>
+          </p:nvPr>
+        </p:nvSpPr>
+        <p:spPr>
+          <a:xfrm>
+            <a:off x="25401" y="101602"/>
+            <a:ext cx="9895839" cy="1090357"/>
+          </a:xfrm>
+        </p:spPr>
+        <p:txBody>
+          <a:bodyPr/>
+          <a:lstStyle/>
+          <a:p>
+            <a:pPr marL="0" indent="0">
+              <a:buNone/>
+            </a:pPr>
+            <a:r>
+              <a:rPr lang="es-ES" sz="1400" b="1" dirty="0">
+                <a:solidFill>
+                  <a:schemeClr val="bg1"/>
+                </a:solidFill>
+                <a:latin typeface="Consolas" panose="020B0609020204030204" pitchFamily="49" charset="0"/>
+              </a:rPr>
+              <a:t>Facturas de servicios extras</a:t>
+            </a:r>
+            <a:r>
+              <a:rPr lang="es-ES" sz="1400" dirty="0">
+                <a:solidFill>
+                  <a:schemeClr val="bg1"/>
+                </a:solidFill>
+                <a:latin typeface="Consolas" panose="020B0609020204030204" pitchFamily="49" charset="0"/>
+              </a:rPr>
+              <a:t>: Completamos todas las facturas faltantes con 0. Tenemos en cuenta que aproximadamente la mitad de las personas a las que les falta alguna factura, están en modo </a:t>
+            </a:r>
+            <a:r>
+              <a:rPr lang="es-ES" sz="1400" dirty="0" err="1">
+                <a:solidFill>
+                  <a:schemeClr val="bg1"/>
+                </a:solidFill>
+                <a:latin typeface="Consolas" panose="020B0609020204030204" pitchFamily="49" charset="0"/>
+              </a:rPr>
+              <a:t>crionizado</a:t>
+            </a:r>
+            <a:r>
+              <a:rPr lang="es-ES" sz="1400" dirty="0">
+                <a:solidFill>
+                  <a:schemeClr val="bg1"/>
+                </a:solidFill>
+                <a:latin typeface="Consolas" panose="020B0609020204030204" pitchFamily="49" charset="0"/>
+              </a:rPr>
+              <a:t>, por lo que necesariamente tienen que tener en todas sus facturas un importe de 0.</a:t>
+            </a:r>
+          </a:p>
+          <a:p>
+            <a:endParaRPr lang="es-ES" dirty="0"/>
+          </a:p>
+        </p:txBody>
+      </p:sp>
+      <p:sp>
+        <p:nvSpPr>
+          <p:cNvPr id="6" name="Marcador de número de diapositiva 5">
+            <a:extLst>
+              <a:ext uri="{FF2B5EF4-FFF2-40B4-BE49-F238E27FC236}">
+                <a16:creationId xmlns:a16="http://schemas.microsoft.com/office/drawing/2014/main" id="{31D63628-8F8B-2BF7-6DE5-0B76607659DF}"/>
+              </a:ext>
+            </a:extLst>
+          </p:cNvPr>
+          <p:cNvSpPr>
+            <a:spLocks noGrp="1"/>
+          </p:cNvSpPr>
+          <p:nvPr>
+            <p:ph type="sldNum" sz="quarter" idx="12"/>
+          </p:nvPr>
+        </p:nvSpPr>
+        <p:spPr/>
+        <p:txBody>
+          <a:bodyPr/>
+          <a:lstStyle/>
+          <a:p>
+            <a:fld id="{6D22F896-40B5-4ADD-8801-0D06FADFA095}" type="slidenum">
+              <a:rPr lang="en-US" smtClean="0"/>
+              <a:t>10</a:t>
+            </a:fld>
+            <a:endParaRPr lang="en-US" dirty="0"/>
+          </a:p>
+        </p:txBody>
+      </p:sp>
+      <p:pic>
+        <p:nvPicPr>
+          <p:cNvPr id="4" name="Imagen 3">
+            <a:extLst>
+              <a:ext uri="{FF2B5EF4-FFF2-40B4-BE49-F238E27FC236}">
+                <a16:creationId xmlns:a16="http://schemas.microsoft.com/office/drawing/2014/main" id="{C8DA137D-E289-FD09-C1BB-F1F44405C8D9}"/>
+              </a:ext>
+            </a:extLst>
+          </p:cNvPr>
+          <p:cNvPicPr>
+            <a:picLocks noChangeAspect="1"/>
+          </p:cNvPicPr>
+          <p:nvPr/>
+        </p:nvPicPr>
+        <p:blipFill>
+          <a:blip r:embed="rId2"/>
+          <a:stretch>
+            <a:fillRect/>
+          </a:stretch>
+        </p:blipFill>
+        <p:spPr>
+          <a:xfrm>
+            <a:off x="802342" y="1165031"/>
+            <a:ext cx="8301316" cy="5591369"/>
+          </a:xfrm>
+          <a:prstGeom prst="rect">
+            <a:avLst/>
+          </a:prstGeom>
+        </p:spPr>
+      </p:pic>
+    </p:spTree>
+    <p:extLst>
+      <p:ext uri="{BB962C8B-B14F-4D97-AF65-F5344CB8AC3E}">
+        <p14:creationId xmlns:p14="http://schemas.microsoft.com/office/powerpoint/2010/main" val="3572477312"/>
+      </p:ext>
+    </p:extLst>
+  </p:cSld>
+  <p:clrMapOvr>
+    <a:masterClrMapping/>
+  </p:clrMapOvr>
+</p:sld>
+</file>
+
+<file path=ppt/slides/slide11.xml><?xml version="1.0" encoding="utf-8"?>
+<p:sld xmlns:a="http://schemas.openxmlformats.org/drawingml/2006/main" xmlns:r="http://schemas.openxmlformats.org/officeDocument/2006/relationships" xmlns:p="http://schemas.openxmlformats.org/presentationml/2006/main">
+  <p:cSld>
+    <p:spTree>
+      <p:nvGrpSpPr>
+        <p:cNvPr id="1" name=""/>
+        <p:cNvGrpSpPr/>
+        <p:nvPr/>
+      </p:nvGrpSpPr>
+      <p:grpSpPr>
+        <a:xfrm>
+          <a:off x="0" y="0"/>
+          <a:ext cx="0" cy="0"/>
+          <a:chOff x="0" y="0"/>
+          <a:chExt cx="0" cy="0"/>
+        </a:xfrm>
+      </p:grpSpPr>
+      <p:sp>
+        <p:nvSpPr>
           <p:cNvPr id="2" name="Título 1">
             <a:extLst>
               <a:ext uri="{FF2B5EF4-FFF2-40B4-BE49-F238E27FC236}">
@@ -13052,7 +13213,7 @@
           <a:p>
             <a:fld id="{6D22F896-40B5-4ADD-8801-0D06FADFA095}" type="slidenum">
               <a:rPr lang="en-US" smtClean="0"/>
-              <a:t>10</a:t>
+              <a:t>11</a:t>
             </a:fld>
             <a:endParaRPr lang="en-US" dirty="0"/>
           </a:p>
@@ -13131,7 +13292,7 @@
 </p:sld>
 </file>
 
-<file path=ppt/slides/slide11.xml><?xml version="1.0" encoding="utf-8"?>
+<file path=ppt/slides/slide12.xml><?xml version="1.0" encoding="utf-8"?>
 <p:sld xmlns:a="http://schemas.openxmlformats.org/drawingml/2006/main" xmlns:r="http://schemas.openxmlformats.org/officeDocument/2006/relationships" xmlns:p="http://schemas.openxmlformats.org/presentationml/2006/main">
   <p:cSld>
     <p:spTree>
@@ -13211,7 +13372,7 @@
           <a:p>
             <a:fld id="{6D22F896-40B5-4ADD-8801-0D06FADFA095}" type="slidenum">
               <a:rPr lang="en-US" smtClean="0"/>
-              <a:t>11</a:t>
+              <a:t>12</a:t>
             </a:fld>
             <a:endParaRPr lang="en-US" dirty="0"/>
           </a:p>
@@ -13260,7 +13421,7 @@
 </p:sld>
 </file>
 
-<file path=ppt/slides/slide12.xml><?xml version="1.0" encoding="utf-8"?>
+<file path=ppt/slides/slide13.xml><?xml version="1.0" encoding="utf-8"?>
 <p:sld xmlns:a="http://schemas.openxmlformats.org/drawingml/2006/main" xmlns:r="http://schemas.openxmlformats.org/officeDocument/2006/relationships" xmlns:p="http://schemas.openxmlformats.org/presentationml/2006/main">
   <p:cSld>
     <p:spTree>
@@ -13340,7 +13501,7 @@
           <a:p>
             <a:fld id="{6D22F896-40B5-4ADD-8801-0D06FADFA095}" type="slidenum">
               <a:rPr lang="en-US" smtClean="0"/>
-              <a:t>12</a:t>
+              <a:t>13</a:t>
             </a:fld>
             <a:endParaRPr lang="en-US" dirty="0"/>
           </a:p>
@@ -13389,7 +13550,7 @@
 </p:sld>
 </file>
 
-<file path=ppt/slides/slide13.xml><?xml version="1.0" encoding="utf-8"?>
+<file path=ppt/slides/slide14.xml><?xml version="1.0" encoding="utf-8"?>
 <p:sld xmlns:a="http://schemas.openxmlformats.org/drawingml/2006/main" xmlns:r="http://schemas.openxmlformats.org/officeDocument/2006/relationships" xmlns:p="http://schemas.openxmlformats.org/presentationml/2006/main">
   <p:cSld>
     <p:spTree>
@@ -13529,7 +13690,7 @@
           <a:p>
             <a:fld id="{6D22F896-40B5-4ADD-8801-0D06FADFA095}" type="slidenum">
               <a:rPr lang="en-US" smtClean="0"/>
-              <a:t>13</a:t>
+              <a:t>14</a:t>
             </a:fld>
             <a:endParaRPr lang="en-US" dirty="0"/>
           </a:p>
@@ -13578,7 +13739,7 @@
 </p:sld>
 </file>
 
-<file path=ppt/slides/slide14.xml><?xml version="1.0" encoding="utf-8"?>
+<file path=ppt/slides/slide15.xml><?xml version="1.0" encoding="utf-8"?>
 <p:sld xmlns:a="http://schemas.openxmlformats.org/drawingml/2006/main" xmlns:r="http://schemas.openxmlformats.org/officeDocument/2006/relationships" xmlns:p="http://schemas.openxmlformats.org/presentationml/2006/main">
   <p:cSld>
     <p:spTree>
@@ -13681,7 +13842,7 @@
           <a:p>
             <a:fld id="{6D22F896-40B5-4ADD-8801-0D06FADFA095}" type="slidenum">
               <a:rPr lang="en-US" smtClean="0"/>
-              <a:t>14</a:t>
+              <a:t>15</a:t>
             </a:fld>
             <a:endParaRPr lang="en-US" dirty="0"/>
           </a:p>
@@ -14238,7 +14399,7 @@
 </p:sld>
 </file>
 
-<file path=ppt/slides/slide15.xml><?xml version="1.0" encoding="utf-8"?>
+<file path=ppt/slides/slide16.xml><?xml version="1.0" encoding="utf-8"?>
 <p:sld xmlns:a="http://schemas.openxmlformats.org/drawingml/2006/main" xmlns:r="http://schemas.openxmlformats.org/officeDocument/2006/relationships" xmlns:p="http://schemas.openxmlformats.org/presentationml/2006/main">
   <p:cSld>
     <p:spTree>
@@ -14378,7 +14539,7 @@
           <a:p>
             <a:fld id="{6D22F896-40B5-4ADD-8801-0D06FADFA095}" type="slidenum">
               <a:rPr lang="en-US" smtClean="0"/>
-              <a:t>15</a:t>
+              <a:t>16</a:t>
             </a:fld>
             <a:endParaRPr lang="en-US" dirty="0"/>
           </a:p>
@@ -14427,7 +14588,7 @@
 </p:sld>
 </file>
 
-<file path=ppt/slides/slide16.xml><?xml version="1.0" encoding="utf-8"?>
+<file path=ppt/slides/slide17.xml><?xml version="1.0" encoding="utf-8"?>
 <p:sld xmlns:a="http://schemas.openxmlformats.org/drawingml/2006/main" xmlns:r="http://schemas.openxmlformats.org/officeDocument/2006/relationships" xmlns:p="http://schemas.openxmlformats.org/presentationml/2006/main">
   <p:cSld>
     <p:spTree>
@@ -14530,7 +14691,7 @@
           <a:p>
             <a:fld id="{6D22F896-40B5-4ADD-8801-0D06FADFA095}" type="slidenum">
               <a:rPr lang="en-US" smtClean="0"/>
-              <a:t>16</a:t>
+              <a:t>17</a:t>
             </a:fld>
             <a:endParaRPr lang="en-US" dirty="0"/>
           </a:p>
@@ -15086,7 +15247,7 @@
 </p:sld>
 </file>
 
-<file path=ppt/slides/slide17.xml><?xml version="1.0" encoding="utf-8"?>
+<file path=ppt/slides/slide18.xml><?xml version="1.0" encoding="utf-8"?>
 <p:sld xmlns:a="http://schemas.openxmlformats.org/drawingml/2006/main" xmlns:r="http://schemas.openxmlformats.org/officeDocument/2006/relationships" xmlns:p="http://schemas.openxmlformats.org/presentationml/2006/main">
   <p:cSld>
     <p:spTree>
@@ -15226,7 +15387,7 @@
           <a:p>
             <a:fld id="{6D22F896-40B5-4ADD-8801-0D06FADFA095}" type="slidenum">
               <a:rPr lang="en-US" smtClean="0"/>
-              <a:t>17</a:t>
+              <a:t>18</a:t>
             </a:fld>
             <a:endParaRPr lang="en-US" dirty="0"/>
           </a:p>
@@ -15275,7 +15436,7 @@
 </p:sld>
 </file>
 
-<file path=ppt/slides/slide18.xml><?xml version="1.0" encoding="utf-8"?>
+<file path=ppt/slides/slide19.xml><?xml version="1.0" encoding="utf-8"?>
 <p:sld xmlns:a="http://schemas.openxmlformats.org/drawingml/2006/main" xmlns:r="http://schemas.openxmlformats.org/officeDocument/2006/relationships" xmlns:p="http://schemas.openxmlformats.org/presentationml/2006/main">
   <p:cSld>
     <p:spTree>
@@ -15378,7 +15539,7 @@
           <a:p>
             <a:fld id="{6D22F896-40B5-4ADD-8801-0D06FADFA095}" type="slidenum">
               <a:rPr lang="en-US" smtClean="0"/>
-              <a:t>18</a:t>
+              <a:t>19</a:t>
             </a:fld>
             <a:endParaRPr lang="en-US" dirty="0"/>
           </a:p>
@@ -15840,7 +16001,255 @@
 </p:sld>
 </file>
 
-<file path=ppt/slides/slide19.xml><?xml version="1.0" encoding="utf-8"?>
+<file path=ppt/slides/slide2.xml><?xml version="1.0" encoding="utf-8"?>
+<p:sld xmlns:a="http://schemas.openxmlformats.org/drawingml/2006/main" xmlns:r="http://schemas.openxmlformats.org/officeDocument/2006/relationships" xmlns:p="http://schemas.openxmlformats.org/presentationml/2006/main">
+  <p:cSld>
+    <p:spTree>
+      <p:nvGrpSpPr>
+        <p:cNvPr id="1" name=""/>
+        <p:cNvGrpSpPr/>
+        <p:nvPr/>
+      </p:nvGrpSpPr>
+      <p:grpSpPr>
+        <a:xfrm>
+          <a:off x="0" y="0"/>
+          <a:ext cx="0" cy="0"/>
+          <a:chOff x="0" y="0"/>
+          <a:chExt cx="0" cy="0"/>
+        </a:xfrm>
+      </p:grpSpPr>
+      <p:sp>
+        <p:nvSpPr>
+          <p:cNvPr id="2" name="Título 1">
+            <a:extLst>
+              <a:ext uri="{FF2B5EF4-FFF2-40B4-BE49-F238E27FC236}">
+                <a16:creationId xmlns:a16="http://schemas.microsoft.com/office/drawing/2014/main" id="{BB2F2027-09C8-54ED-D76F-5F0BDA125F9A}"/>
+              </a:ext>
+            </a:extLst>
+          </p:cNvPr>
+          <p:cNvSpPr>
+            <a:spLocks noGrp="1"/>
+          </p:cNvSpPr>
+          <p:nvPr>
+            <p:ph type="title"/>
+          </p:nvPr>
+        </p:nvSpPr>
+        <p:spPr>
+          <a:xfrm>
+            <a:off x="1791354" y="394448"/>
+            <a:ext cx="6160340" cy="5558162"/>
+          </a:xfrm>
+        </p:spPr>
+        <p:txBody>
+          <a:bodyPr>
+            <a:normAutofit fontScale="90000"/>
+          </a:bodyPr>
+          <a:lstStyle/>
+          <a:p>
+            <a:r>
+              <a:rPr lang="es-ES" b="1" dirty="0" err="1"/>
+              <a:t>Indice</a:t>
+            </a:r>
+            <a:br>
+              <a:rPr lang="es-ES" b="1" dirty="0"/>
+            </a:br>
+            <a:r>
+              <a:rPr lang="es-ES" sz="2000" dirty="0"/>
+              <a:t>composición de los datos. Variables	3-09</a:t>
+            </a:r>
+            <a:br>
+              <a:rPr lang="es-ES" sz="2000" dirty="0"/>
+            </a:br>
+            <a:r>
+              <a:rPr lang="es-ES" sz="2000" dirty="0"/>
+              <a:t>Porcentaje de facturas </a:t>
+            </a:r>
+            <a:r>
+              <a:rPr lang="es-ES" sz="2000" dirty="0" err="1"/>
+              <a:t>missing</a:t>
+            </a:r>
+            <a:r>
+              <a:rPr lang="es-ES" sz="2000" dirty="0"/>
+              <a:t>   		10</a:t>
+            </a:r>
+            <a:br>
+              <a:rPr lang="es-ES" sz="2000" dirty="0"/>
+            </a:br>
+            <a:r>
+              <a:rPr lang="es-ES" sz="2000" dirty="0"/>
+              <a:t>correlaciones generales			11</a:t>
+            </a:r>
+            <a:br>
+              <a:rPr lang="es-ES" sz="2000" dirty="0"/>
+            </a:br>
+            <a:r>
+              <a:rPr lang="es-ES" sz="2000" dirty="0"/>
+              <a:t>correlaciones con el target		12</a:t>
+            </a:r>
+            <a:br>
+              <a:rPr lang="es-ES" sz="2000" dirty="0"/>
+            </a:br>
+            <a:r>
+              <a:rPr lang="es-ES" sz="2000" dirty="0"/>
+              <a:t>modelo decisión </a:t>
+            </a:r>
+            <a:r>
+              <a:rPr lang="es-ES" sz="2000" dirty="0" err="1"/>
+              <a:t>tree</a:t>
+            </a:r>
+            <a:r>
+              <a:rPr lang="es-ES" sz="2000" dirty="0"/>
+              <a:t>			13-14</a:t>
+            </a:r>
+            <a:br>
+              <a:rPr lang="es-ES" sz="2000" dirty="0"/>
+            </a:br>
+            <a:r>
+              <a:rPr lang="es-ES" sz="2000" dirty="0"/>
+              <a:t>modelo </a:t>
+            </a:r>
+            <a:r>
+              <a:rPr lang="es-ES" sz="2000" dirty="0" err="1"/>
+              <a:t>random</a:t>
+            </a:r>
+            <a:r>
+              <a:rPr lang="es-ES" sz="2000" dirty="0"/>
+              <a:t> </a:t>
+            </a:r>
+            <a:r>
+              <a:rPr lang="es-ES" sz="2000" dirty="0" err="1"/>
+              <a:t>forest</a:t>
+            </a:r>
+            <a:r>
+              <a:rPr lang="es-ES" sz="2000" dirty="0"/>
+              <a:t>			15-16</a:t>
+            </a:r>
+            <a:br>
+              <a:rPr lang="es-ES" sz="2000" dirty="0"/>
+            </a:br>
+            <a:r>
+              <a:rPr lang="es-ES" sz="2000" dirty="0"/>
+              <a:t>modelo </a:t>
+            </a:r>
+            <a:r>
+              <a:rPr lang="es-ES" sz="2000" dirty="0" err="1"/>
+              <a:t>gradient</a:t>
+            </a:r>
+            <a:r>
+              <a:rPr lang="es-ES" sz="2000" dirty="0"/>
+              <a:t> </a:t>
+            </a:r>
+            <a:r>
+              <a:rPr lang="es-ES" sz="2000" dirty="0" err="1"/>
+              <a:t>boost</a:t>
+            </a:r>
+            <a:r>
+              <a:rPr lang="es-ES" sz="2000" dirty="0"/>
+              <a:t>			17-18</a:t>
+            </a:r>
+            <a:br>
+              <a:rPr lang="es-ES" sz="2000" dirty="0"/>
+            </a:br>
+            <a:r>
+              <a:rPr lang="es-ES" sz="2000" dirty="0"/>
+              <a:t>modelo </a:t>
+            </a:r>
+            <a:r>
+              <a:rPr lang="es-ES" sz="2000" dirty="0" err="1"/>
+              <a:t>logistic</a:t>
+            </a:r>
+            <a:r>
+              <a:rPr lang="es-ES" sz="2000" dirty="0"/>
+              <a:t> </a:t>
+            </a:r>
+            <a:r>
+              <a:rPr lang="es-ES" sz="2000" dirty="0" err="1"/>
+              <a:t>regression</a:t>
+            </a:r>
+            <a:r>
+              <a:rPr lang="es-ES" sz="2000" dirty="0"/>
+              <a:t>		19</a:t>
+            </a:r>
+            <a:br>
+              <a:rPr lang="es-ES" sz="2000" dirty="0"/>
+            </a:br>
+            <a:r>
+              <a:rPr lang="es-ES" sz="2000" dirty="0"/>
+              <a:t>modelo super vector machine		20</a:t>
+            </a:r>
+            <a:br>
+              <a:rPr lang="es-ES" sz="2000" dirty="0"/>
+            </a:br>
+            <a:r>
+              <a:rPr lang="es-ES" sz="2000" dirty="0"/>
+              <a:t>modelo ensemble			21</a:t>
+            </a:r>
+            <a:br>
+              <a:rPr lang="es-ES" sz="2000" dirty="0"/>
+            </a:br>
+            <a:r>
+              <a:rPr lang="es-ES" sz="2000" dirty="0"/>
+              <a:t>conclusiones finales			22</a:t>
+            </a:r>
+            <a:br>
+              <a:rPr lang="es-ES" sz="2000" dirty="0"/>
+            </a:br>
+            <a:br>
+              <a:rPr lang="es-ES" b="1" dirty="0"/>
+            </a:br>
+            <a:br>
+              <a:rPr lang="es-ES" b="1" dirty="0"/>
+            </a:br>
+            <a:br>
+              <a:rPr lang="es-ES" b="1" dirty="0"/>
+            </a:br>
+            <a:endParaRPr lang="es-ES" b="1" dirty="0"/>
+          </a:p>
+        </p:txBody>
+      </p:sp>
+      <p:sp>
+        <p:nvSpPr>
+          <p:cNvPr id="6" name="Marcador de número de diapositiva 5">
+            <a:extLst>
+              <a:ext uri="{FF2B5EF4-FFF2-40B4-BE49-F238E27FC236}">
+                <a16:creationId xmlns:a16="http://schemas.microsoft.com/office/drawing/2014/main" id="{68EFB384-994B-F222-6BE9-A592F674963B}"/>
+              </a:ext>
+            </a:extLst>
+          </p:cNvPr>
+          <p:cNvSpPr>
+            <a:spLocks noGrp="1"/>
+          </p:cNvSpPr>
+          <p:nvPr>
+            <p:ph type="sldNum" sz="quarter" idx="12"/>
+          </p:nvPr>
+        </p:nvSpPr>
+        <p:spPr/>
+        <p:txBody>
+          <a:bodyPr/>
+          <a:lstStyle/>
+          <a:p>
+            <a:fld id="{6D22F896-40B5-4ADD-8801-0D06FADFA095}" type="slidenum">
+              <a:rPr lang="en-US" smtClean="0"/>
+              <a:t>2</a:t>
+            </a:fld>
+            <a:endParaRPr lang="en-US" dirty="0"/>
+          </a:p>
+        </p:txBody>
+      </p:sp>
+    </p:spTree>
+    <p:extLst>
+      <p:ext uri="{BB962C8B-B14F-4D97-AF65-F5344CB8AC3E}">
+        <p14:creationId xmlns:p14="http://schemas.microsoft.com/office/powerpoint/2010/main" val="1038246645"/>
+      </p:ext>
+    </p:extLst>
+  </p:cSld>
+  <p:clrMapOvr>
+    <a:masterClrMapping/>
+  </p:clrMapOvr>
+</p:sld>
+</file>
+
+<file path=ppt/slides/slide20.xml><?xml version="1.0" encoding="utf-8"?>
 <p:sld xmlns:a="http://schemas.openxmlformats.org/drawingml/2006/main" xmlns:r="http://schemas.openxmlformats.org/officeDocument/2006/relationships" xmlns:p="http://schemas.openxmlformats.org/presentationml/2006/main">
   <p:cSld>
     <p:spTree>
@@ -16351,7 +16760,7 @@
           <a:p>
             <a:fld id="{6D22F896-40B5-4ADD-8801-0D06FADFA095}" type="slidenum">
               <a:rPr lang="en-US" smtClean="0"/>
-              <a:t>19</a:t>
+              <a:t>20</a:t>
             </a:fld>
             <a:endParaRPr lang="en-US" dirty="0"/>
           </a:p>
@@ -16370,255 +16779,7 @@
 </p:sld>
 </file>
 
-<file path=ppt/slides/slide2.xml><?xml version="1.0" encoding="utf-8"?>
-<p:sld xmlns:a="http://schemas.openxmlformats.org/drawingml/2006/main" xmlns:r="http://schemas.openxmlformats.org/officeDocument/2006/relationships" xmlns:p="http://schemas.openxmlformats.org/presentationml/2006/main">
-  <p:cSld>
-    <p:spTree>
-      <p:nvGrpSpPr>
-        <p:cNvPr id="1" name=""/>
-        <p:cNvGrpSpPr/>
-        <p:nvPr/>
-      </p:nvGrpSpPr>
-      <p:grpSpPr>
-        <a:xfrm>
-          <a:off x="0" y="0"/>
-          <a:ext cx="0" cy="0"/>
-          <a:chOff x="0" y="0"/>
-          <a:chExt cx="0" cy="0"/>
-        </a:xfrm>
-      </p:grpSpPr>
-      <p:sp>
-        <p:nvSpPr>
-          <p:cNvPr id="2" name="Título 1">
-            <a:extLst>
-              <a:ext uri="{FF2B5EF4-FFF2-40B4-BE49-F238E27FC236}">
-                <a16:creationId xmlns:a16="http://schemas.microsoft.com/office/drawing/2014/main" id="{BB2F2027-09C8-54ED-D76F-5F0BDA125F9A}"/>
-              </a:ext>
-            </a:extLst>
-          </p:cNvPr>
-          <p:cNvSpPr>
-            <a:spLocks noGrp="1"/>
-          </p:cNvSpPr>
-          <p:nvPr>
-            <p:ph type="title"/>
-          </p:nvPr>
-        </p:nvSpPr>
-        <p:spPr>
-          <a:xfrm>
-            <a:off x="1791354" y="394448"/>
-            <a:ext cx="6160340" cy="5558162"/>
-          </a:xfrm>
-        </p:spPr>
-        <p:txBody>
-          <a:bodyPr>
-            <a:normAutofit fontScale="90000"/>
-          </a:bodyPr>
-          <a:lstStyle/>
-          <a:p>
-            <a:r>
-              <a:rPr lang="es-ES" b="1" dirty="0" err="1"/>
-              <a:t>Indice</a:t>
-            </a:r>
-            <a:br>
-              <a:rPr lang="es-ES" b="1" dirty="0"/>
-            </a:br>
-            <a:r>
-              <a:rPr lang="es-ES" sz="2000" dirty="0"/>
-              <a:t>composición de los datos. Variables	3-09</a:t>
-            </a:r>
-            <a:br>
-              <a:rPr lang="es-ES" sz="2000" dirty="0"/>
-            </a:br>
-            <a:r>
-              <a:rPr lang="es-ES" sz="2000" dirty="0"/>
-              <a:t>Porcentaje de facturas </a:t>
-            </a:r>
-            <a:r>
-              <a:rPr lang="es-ES" sz="2000" dirty="0" err="1"/>
-              <a:t>missing</a:t>
-            </a:r>
-            <a:r>
-              <a:rPr lang="es-ES" sz="2000" dirty="0"/>
-              <a:t>   		10</a:t>
-            </a:r>
-            <a:br>
-              <a:rPr lang="es-ES" sz="2000" dirty="0"/>
-            </a:br>
-            <a:r>
-              <a:rPr lang="es-ES" sz="2000" dirty="0"/>
-              <a:t>correlaciones generales			11</a:t>
-            </a:r>
-            <a:br>
-              <a:rPr lang="es-ES" sz="2000" dirty="0"/>
-            </a:br>
-            <a:r>
-              <a:rPr lang="es-ES" sz="2000" dirty="0"/>
-              <a:t>correlaciones con el target		12</a:t>
-            </a:r>
-            <a:br>
-              <a:rPr lang="es-ES" sz="2000" dirty="0"/>
-            </a:br>
-            <a:r>
-              <a:rPr lang="es-ES" sz="2000" dirty="0"/>
-              <a:t>modelo decisión </a:t>
-            </a:r>
-            <a:r>
-              <a:rPr lang="es-ES" sz="2000" dirty="0" err="1"/>
-              <a:t>tree</a:t>
-            </a:r>
-            <a:r>
-              <a:rPr lang="es-ES" sz="2000" dirty="0"/>
-              <a:t>			13-14</a:t>
-            </a:r>
-            <a:br>
-              <a:rPr lang="es-ES" sz="2000" dirty="0"/>
-            </a:br>
-            <a:r>
-              <a:rPr lang="es-ES" sz="2000" dirty="0"/>
-              <a:t>modelo </a:t>
-            </a:r>
-            <a:r>
-              <a:rPr lang="es-ES" sz="2000" dirty="0" err="1"/>
-              <a:t>random</a:t>
-            </a:r>
-            <a:r>
-              <a:rPr lang="es-ES" sz="2000" dirty="0"/>
-              <a:t> </a:t>
-            </a:r>
-            <a:r>
-              <a:rPr lang="es-ES" sz="2000" dirty="0" err="1"/>
-              <a:t>forest</a:t>
-            </a:r>
-            <a:r>
-              <a:rPr lang="es-ES" sz="2000" dirty="0"/>
-              <a:t>			15-16</a:t>
-            </a:r>
-            <a:br>
-              <a:rPr lang="es-ES" sz="2000" dirty="0"/>
-            </a:br>
-            <a:r>
-              <a:rPr lang="es-ES" sz="2000" dirty="0"/>
-              <a:t>modelo </a:t>
-            </a:r>
-            <a:r>
-              <a:rPr lang="es-ES" sz="2000" dirty="0" err="1"/>
-              <a:t>gradient</a:t>
-            </a:r>
-            <a:r>
-              <a:rPr lang="es-ES" sz="2000" dirty="0"/>
-              <a:t> </a:t>
-            </a:r>
-            <a:r>
-              <a:rPr lang="es-ES" sz="2000" dirty="0" err="1"/>
-              <a:t>boost</a:t>
-            </a:r>
-            <a:r>
-              <a:rPr lang="es-ES" sz="2000" dirty="0"/>
-              <a:t>			17-18</a:t>
-            </a:r>
-            <a:br>
-              <a:rPr lang="es-ES" sz="2000" dirty="0"/>
-            </a:br>
-            <a:r>
-              <a:rPr lang="es-ES" sz="2000" dirty="0"/>
-              <a:t>modelo </a:t>
-            </a:r>
-            <a:r>
-              <a:rPr lang="es-ES" sz="2000" dirty="0" err="1"/>
-              <a:t>logistic</a:t>
-            </a:r>
-            <a:r>
-              <a:rPr lang="es-ES" sz="2000" dirty="0"/>
-              <a:t> </a:t>
-            </a:r>
-            <a:r>
-              <a:rPr lang="es-ES" sz="2000" dirty="0" err="1"/>
-              <a:t>regression</a:t>
-            </a:r>
-            <a:r>
-              <a:rPr lang="es-ES" sz="2000" dirty="0"/>
-              <a:t>		19</a:t>
-            </a:r>
-            <a:br>
-              <a:rPr lang="es-ES" sz="2000" dirty="0"/>
-            </a:br>
-            <a:r>
-              <a:rPr lang="es-ES" sz="2000" dirty="0"/>
-              <a:t>modelo super vector machine		20</a:t>
-            </a:r>
-            <a:br>
-              <a:rPr lang="es-ES" sz="2000" dirty="0"/>
-            </a:br>
-            <a:r>
-              <a:rPr lang="es-ES" sz="2000" dirty="0"/>
-              <a:t>modelo ensemble			21</a:t>
-            </a:r>
-            <a:br>
-              <a:rPr lang="es-ES" sz="2000" dirty="0"/>
-            </a:br>
-            <a:r>
-              <a:rPr lang="es-ES" sz="2000" dirty="0"/>
-              <a:t>conclusiones finales			22</a:t>
-            </a:r>
-            <a:br>
-              <a:rPr lang="es-ES" sz="2000" dirty="0"/>
-            </a:br>
-            <a:br>
-              <a:rPr lang="es-ES" b="1" dirty="0"/>
-            </a:br>
-            <a:br>
-              <a:rPr lang="es-ES" b="1" dirty="0"/>
-            </a:br>
-            <a:br>
-              <a:rPr lang="es-ES" b="1" dirty="0"/>
-            </a:br>
-            <a:endParaRPr lang="es-ES" b="1" dirty="0"/>
-          </a:p>
-        </p:txBody>
-      </p:sp>
-      <p:sp>
-        <p:nvSpPr>
-          <p:cNvPr id="6" name="Marcador de número de diapositiva 5">
-            <a:extLst>
-              <a:ext uri="{FF2B5EF4-FFF2-40B4-BE49-F238E27FC236}">
-                <a16:creationId xmlns:a16="http://schemas.microsoft.com/office/drawing/2014/main" id="{68EFB384-994B-F222-6BE9-A592F674963B}"/>
-              </a:ext>
-            </a:extLst>
-          </p:cNvPr>
-          <p:cNvSpPr>
-            <a:spLocks noGrp="1"/>
-          </p:cNvSpPr>
-          <p:nvPr>
-            <p:ph type="sldNum" sz="quarter" idx="12"/>
-          </p:nvPr>
-        </p:nvSpPr>
-        <p:spPr/>
-        <p:txBody>
-          <a:bodyPr/>
-          <a:lstStyle/>
-          <a:p>
-            <a:fld id="{6D22F896-40B5-4ADD-8801-0D06FADFA095}" type="slidenum">
-              <a:rPr lang="en-US" smtClean="0"/>
-              <a:t>2</a:t>
-            </a:fld>
-            <a:endParaRPr lang="en-US" dirty="0"/>
-          </a:p>
-        </p:txBody>
-      </p:sp>
-    </p:spTree>
-    <p:extLst>
-      <p:ext uri="{BB962C8B-B14F-4D97-AF65-F5344CB8AC3E}">
-        <p14:creationId xmlns:p14="http://schemas.microsoft.com/office/powerpoint/2010/main" val="1038246645"/>
-      </p:ext>
-    </p:extLst>
-  </p:cSld>
-  <p:clrMapOvr>
-    <a:masterClrMapping/>
-  </p:clrMapOvr>
-</p:sld>
-</file>
-
-<file path=ppt/slides/slide20.xml><?xml version="1.0" encoding="utf-8"?>
+<file path=ppt/slides/slide21.xml><?xml version="1.0" encoding="utf-8"?>
 <p:sld xmlns:a="http://schemas.openxmlformats.org/drawingml/2006/main" xmlns:r="http://schemas.openxmlformats.org/officeDocument/2006/relationships" xmlns:p="http://schemas.openxmlformats.org/presentationml/2006/main">
   <p:cSld>
     <p:spTree>
@@ -16705,7 +16866,7 @@
           <a:p>
             <a:fld id="{6D22F896-40B5-4ADD-8801-0D06FADFA095}" type="slidenum">
               <a:rPr lang="en-US" smtClean="0"/>
-              <a:t>20</a:t>
+              <a:t>21</a:t>
             </a:fld>
             <a:endParaRPr lang="en-US" dirty="0"/>
           </a:p>
@@ -17193,7 +17354,7 @@
 </p:sld>
 </file>
 
-<file path=ppt/slides/slide21.xml><?xml version="1.0" encoding="utf-8"?>
+<file path=ppt/slides/slide22.xml><?xml version="1.0" encoding="utf-8"?>
 <p:sld xmlns:a="http://schemas.openxmlformats.org/drawingml/2006/main" xmlns:r="http://schemas.openxmlformats.org/officeDocument/2006/relationships" xmlns:p="http://schemas.openxmlformats.org/presentationml/2006/main">
   <p:cSld>
     <p:spTree>
@@ -17280,7 +17441,7 @@
           <a:p>
             <a:fld id="{6D22F896-40B5-4ADD-8801-0D06FADFA095}" type="slidenum">
               <a:rPr lang="en-US" smtClean="0"/>
-              <a:t>21</a:t>
+              <a:t>22</a:t>
             </a:fld>
             <a:endParaRPr lang="en-US" dirty="0"/>
           </a:p>
@@ -18240,7 +18401,7 @@
 </p:sld>
 </file>
 
-<file path=ppt/slides/slide22.xml><?xml version="1.0" encoding="utf-8"?>
+<file path=ppt/slides/slide23.xml><?xml version="1.0" encoding="utf-8"?>
 <p:sld xmlns:a="http://schemas.openxmlformats.org/drawingml/2006/main" xmlns:r="http://schemas.openxmlformats.org/officeDocument/2006/relationships" xmlns:p="http://schemas.openxmlformats.org/presentationml/2006/main">
   <p:cSld>
     <p:spTree>
@@ -18336,7 +18497,7 @@
         </p:spPr>
         <p:txBody>
           <a:bodyPr vert="horz" lIns="91440" tIns="45720" rIns="91440" bIns="45720" rtlCol="0">
-            <a:normAutofit lnSpcReduction="10000"/>
+            <a:normAutofit fontScale="92500" lnSpcReduction="10000"/>
           </a:bodyPr>
           <a:lstStyle>
             <a:lvl1pPr marL="228600" indent="-228600" algn="l" defTabSz="914400" rtl="0" eaLnBrk="1" latinLnBrk="0" hangingPunct="1">
@@ -18517,7 +18678,32 @@
             </a:pPr>
             <a:r>
               <a:rPr lang="es-ES" dirty="0"/>
-              <a:t>Intenté sumar las variables de facturas, sumarlas todas en una nueva variable y eliminar todas las anteriores para reducir el numero de columnas. Pero predice peor. El resultado representado es el que mejor resultados da. </a:t>
+              <a:t>Intenté sumar las variables de facturas, sumarlas todas en una nueva variable y eliminar todas las anteriores para reducir el numero de columnas. Pero predice peor. </a:t>
+            </a:r>
+          </a:p>
+          <a:p>
+            <a:pPr marL="0" indent="0">
+              <a:buNone/>
+            </a:pPr>
+            <a:r>
+              <a:rPr lang="es-ES" dirty="0"/>
+              <a:t>El resultado representado en esta presentación, es el que mejor resultados da. Con cada modelo, he probado todos los </a:t>
+            </a:r>
+            <a:r>
+              <a:rPr lang="es-ES" dirty="0" err="1"/>
+              <a:t>hiperpárametros</a:t>
+            </a:r>
+            <a:r>
+              <a:rPr lang="es-ES" dirty="0"/>
+              <a:t> posibles que nos muestra la documentación de </a:t>
+            </a:r>
+            <a:r>
+              <a:rPr lang="es-ES" dirty="0" err="1"/>
+              <a:t>sklearn</a:t>
+            </a:r>
+            <a:r>
+              <a:rPr lang="es-ES" dirty="0"/>
+              <a:t>. He dejado la combinación que mejor métrica da de todas. </a:t>
             </a:r>
           </a:p>
           <a:p>
@@ -18547,31 +18733,6 @@
             <a:r>
               <a:rPr lang="es-ES" dirty="0"/>
               <a:t>.</a:t>
-            </a:r>
-          </a:p>
-          <a:p>
-            <a:pPr marL="0" indent="0">
-              <a:buNone/>
-            </a:pPr>
-            <a:r>
-              <a:rPr lang="es-ES" dirty="0"/>
-              <a:t>Con cada modelo, he probado todos los </a:t>
-            </a:r>
-            <a:r>
-              <a:rPr lang="es-ES" dirty="0" err="1"/>
-              <a:t>hiperpárametros</a:t>
-            </a:r>
-            <a:r>
-              <a:rPr lang="es-ES" dirty="0"/>
-              <a:t> posibles que nos muestra la documentación de </a:t>
-            </a:r>
-            <a:r>
-              <a:rPr lang="es-ES" dirty="0" err="1"/>
-              <a:t>sklearn</a:t>
-            </a:r>
-            <a:r>
-              <a:rPr lang="es-ES" dirty="0"/>
-              <a:t>. He dejado la combinación que mejor métrica da de todas. </a:t>
             </a:r>
           </a:p>
           <a:p>
@@ -18602,7 +18763,7 @@
           <a:p>
             <a:fld id="{6D22F896-40B5-4ADD-8801-0D06FADFA095}" type="slidenum">
               <a:rPr lang="en-US" smtClean="0"/>
-              <a:t>22</a:t>
+              <a:t>23</a:t>
             </a:fld>
             <a:endParaRPr lang="en-US" dirty="0"/>
           </a:p>
@@ -18622,6 +18783,95 @@
 </file>
 
 <file path=ppt/slides/slide3.xml><?xml version="1.0" encoding="utf-8"?>
+<p:sld xmlns:a="http://schemas.openxmlformats.org/drawingml/2006/main" xmlns:r="http://schemas.openxmlformats.org/officeDocument/2006/relationships" xmlns:p="http://schemas.openxmlformats.org/presentationml/2006/main">
+  <p:cSld>
+    <p:spTree>
+      <p:nvGrpSpPr>
+        <p:cNvPr id="1" name=""/>
+        <p:cNvGrpSpPr/>
+        <p:nvPr/>
+      </p:nvGrpSpPr>
+      <p:grpSpPr>
+        <a:xfrm>
+          <a:off x="0" y="0"/>
+          <a:ext cx="0" cy="0"/>
+          <a:chOff x="0" y="0"/>
+          <a:chExt cx="0" cy="0"/>
+        </a:xfrm>
+      </p:grpSpPr>
+      <p:sp>
+        <p:nvSpPr>
+          <p:cNvPr id="3" name="Marcador de contenido 2">
+            <a:extLst>
+              <a:ext uri="{FF2B5EF4-FFF2-40B4-BE49-F238E27FC236}">
+                <a16:creationId xmlns:a16="http://schemas.microsoft.com/office/drawing/2014/main" id="{8D61F48D-089B-FCD9-98F8-A6133D25D4CE}"/>
+              </a:ext>
+            </a:extLst>
+          </p:cNvPr>
+          <p:cNvSpPr>
+            <a:spLocks noGrp="1"/>
+          </p:cNvSpPr>
+          <p:nvPr>
+            <p:ph idx="1"/>
+          </p:nvPr>
+        </p:nvSpPr>
+        <p:spPr/>
+        <p:txBody>
+          <a:bodyPr>
+            <a:normAutofit/>
+          </a:bodyPr>
+          <a:lstStyle/>
+          <a:p>
+            <a:r>
+              <a:rPr lang="es-ES" sz="1600" dirty="0"/>
+              <a:t>EN ESTA COMPETICION, LA TAREA ES PREDECIR SI UN PASAJERO FUE TRANSPORTADO A UNA DIMENSIÓN ALTERNATIVA DURANTE LA COLISIÓN DE LA NAVE ESPACIAL TITANIC CON LA ANOMALÍA DEL ESPACIO-TIEMPO. PARA AYUDARNOS A HACER ESTAS PREDICCIONES, SE NOS PROPORCIONAN UN CONJUNTO DE REGISTROS PERSONALES RECUPERADOS DEL SISTEMA INFORMÁTICO DAÑADO DEL BARCO</a:t>
+            </a:r>
+          </a:p>
+        </p:txBody>
+      </p:sp>
+      <p:sp>
+        <p:nvSpPr>
+          <p:cNvPr id="4" name="Marcador de número de diapositiva 3">
+            <a:extLst>
+              <a:ext uri="{FF2B5EF4-FFF2-40B4-BE49-F238E27FC236}">
+                <a16:creationId xmlns:a16="http://schemas.microsoft.com/office/drawing/2014/main" id="{1A04C7EB-6F41-613E-85C7-036DC9CE3BE2}"/>
+              </a:ext>
+            </a:extLst>
+          </p:cNvPr>
+          <p:cNvSpPr>
+            <a:spLocks noGrp="1"/>
+          </p:cNvSpPr>
+          <p:nvPr>
+            <p:ph type="sldNum" sz="quarter" idx="12"/>
+          </p:nvPr>
+        </p:nvSpPr>
+        <p:spPr/>
+        <p:txBody>
+          <a:bodyPr/>
+          <a:lstStyle/>
+          <a:p>
+            <a:fld id="{6D22F896-40B5-4ADD-8801-0D06FADFA095}" type="slidenum">
+              <a:rPr lang="en-US" smtClean="0"/>
+              <a:t>3</a:t>
+            </a:fld>
+            <a:endParaRPr lang="en-US" dirty="0"/>
+          </a:p>
+        </p:txBody>
+      </p:sp>
+    </p:spTree>
+    <p:extLst>
+      <p:ext uri="{BB962C8B-B14F-4D97-AF65-F5344CB8AC3E}">
+        <p14:creationId xmlns:p14="http://schemas.microsoft.com/office/powerpoint/2010/main" val="1548809838"/>
+      </p:ext>
+    </p:extLst>
+  </p:cSld>
+  <p:clrMapOvr>
+    <a:masterClrMapping/>
+  </p:clrMapOvr>
+</p:sld>
+</file>
+
+<file path=ppt/slides/slide4.xml><?xml version="1.0" encoding="utf-8"?>
 <p:sld xmlns:a="http://schemas.openxmlformats.org/drawingml/2006/main" xmlns:r="http://schemas.openxmlformats.org/officeDocument/2006/relationships" xmlns:p="http://schemas.openxmlformats.org/presentationml/2006/main">
   <p:cSld>
     <p:spTree>
@@ -18923,25 +19173,7 @@
                 </a:solidFill>
                 <a:latin typeface="Consolas" panose="020B0609020204030204" pitchFamily="49" charset="0"/>
               </a:rPr>
-              <a:t> indican el </a:t>
-            </a:r>
-            <a:r>
-              <a:rPr lang="es-ES" sz="1400" dirty="0" err="1">
-                <a:solidFill>
-                  <a:schemeClr val="bg1"/>
-                </a:solidFill>
-                <a:latin typeface="Consolas" panose="020B0609020204030204" pitchFamily="49" charset="0"/>
-              </a:rPr>
-              <a:t>momtante</a:t>
-            </a:r>
-            <a:r>
-              <a:rPr lang="es-ES" sz="1400" dirty="0">
-                <a:solidFill>
-                  <a:schemeClr val="bg1"/>
-                </a:solidFill>
-                <a:latin typeface="Consolas" panose="020B0609020204030204" pitchFamily="49" charset="0"/>
-              </a:rPr>
-              <a:t> que el pasajero ha facturado en cada uno de los muchos servicios de lujo del viaje.</a:t>
+              <a:t> indican el montante que el pasajero ha facturado en cada uno de los muchos servicios de lujo del viaje.</a:t>
             </a:r>
           </a:p>
           <a:p>
@@ -19015,7 +19247,7 @@
           <a:p>
             <a:fld id="{6D22F896-40B5-4ADD-8801-0D06FADFA095}" type="slidenum">
               <a:rPr lang="en-US" smtClean="0"/>
-              <a:t>3</a:t>
+              <a:t>4</a:t>
             </a:fld>
             <a:endParaRPr lang="en-US" dirty="0"/>
           </a:p>
@@ -19034,7 +19266,7 @@
 </p:sld>
 </file>
 
-<file path=ppt/slides/slide4.xml><?xml version="1.0" encoding="utf-8"?>
+<file path=ppt/slides/slide5.xml><?xml version="1.0" encoding="utf-8"?>
 <p:sld xmlns:a="http://schemas.openxmlformats.org/drawingml/2006/main" xmlns:r="http://schemas.openxmlformats.org/officeDocument/2006/relationships" xmlns:p="http://schemas.openxmlformats.org/presentationml/2006/main">
   <p:cSld>
     <p:spTree>
@@ -19227,7 +19459,7 @@
           <a:p>
             <a:fld id="{6D22F896-40B5-4ADD-8801-0D06FADFA095}" type="slidenum">
               <a:rPr lang="en-US" smtClean="0"/>
-              <a:t>4</a:t>
+              <a:t>5</a:t>
             </a:fld>
             <a:endParaRPr lang="en-US" dirty="0"/>
           </a:p>
@@ -19306,7 +19538,7 @@
 </p:sld>
 </file>
 
-<file path=ppt/slides/slide5.xml><?xml version="1.0" encoding="utf-8"?>
+<file path=ppt/slides/slide6.xml><?xml version="1.0" encoding="utf-8"?>
 <p:sld xmlns:a="http://schemas.openxmlformats.org/drawingml/2006/main" xmlns:r="http://schemas.openxmlformats.org/officeDocument/2006/relationships" xmlns:p="http://schemas.openxmlformats.org/presentationml/2006/main">
   <p:cSld>
     <p:spTree>
@@ -19420,7 +19652,7 @@
           <a:p>
             <a:fld id="{6D22F896-40B5-4ADD-8801-0D06FADFA095}" type="slidenum">
               <a:rPr lang="en-US" smtClean="0"/>
-              <a:t>5</a:t>
+              <a:t>6</a:t>
             </a:fld>
             <a:endParaRPr lang="en-US" dirty="0"/>
           </a:p>
@@ -19448,8 +19680,38 @@
         </p:blipFill>
         <p:spPr>
           <a:xfrm>
-            <a:off x="2090923" y="2397761"/>
-            <a:ext cx="5724155" cy="4096520"/>
+            <a:off x="4248973" y="2376580"/>
+            <a:ext cx="5484551" cy="3925046"/>
+          </a:xfrm>
+          <a:prstGeom prst="rect">
+            <a:avLst/>
+          </a:prstGeom>
+        </p:spPr>
+      </p:pic>
+      <p:pic>
+        <p:nvPicPr>
+          <p:cNvPr id="5" name="Imagen 4">
+            <a:extLst>
+              <a:ext uri="{FF2B5EF4-FFF2-40B4-BE49-F238E27FC236}">
+                <a16:creationId xmlns:a16="http://schemas.microsoft.com/office/drawing/2014/main" id="{F059C01B-9C62-65DD-1422-C334B45C18E0}"/>
+              </a:ext>
+            </a:extLst>
+          </p:cNvPr>
+          <p:cNvPicPr>
+            <a:picLocks noChangeAspect="1"/>
+          </p:cNvPicPr>
+          <p:nvPr/>
+        </p:nvPicPr>
+        <p:blipFill>
+          <a:blip r:embed="rId3"/>
+          <a:stretch>
+            <a:fillRect/>
+          </a:stretch>
+        </p:blipFill>
+        <p:spPr>
+          <a:xfrm>
+            <a:off x="236515" y="2345239"/>
+            <a:ext cx="3756392" cy="3925046"/>
           </a:xfrm>
           <a:prstGeom prst="rect">
             <a:avLst/>
@@ -19469,7 +19731,7 @@
 </p:sld>
 </file>
 
-<file path=ppt/slides/slide6.xml><?xml version="1.0" encoding="utf-8"?>
+<file path=ppt/slides/slide7.xml><?xml version="1.0" encoding="utf-8"?>
 <p:sld xmlns:a="http://schemas.openxmlformats.org/drawingml/2006/main" xmlns:r="http://schemas.openxmlformats.org/officeDocument/2006/relationships" xmlns:p="http://schemas.openxmlformats.org/presentationml/2006/main">
   <p:cSld>
     <p:spTree>
@@ -19627,7 +19889,7 @@
           <a:p>
             <a:fld id="{6D22F896-40B5-4ADD-8801-0D06FADFA095}" type="slidenum">
               <a:rPr lang="en-US" smtClean="0"/>
-              <a:t>6</a:t>
+              <a:t>7</a:t>
             </a:fld>
             <a:endParaRPr lang="en-US" dirty="0"/>
           </a:p>
@@ -19706,7 +19968,7 @@
 </p:sld>
 </file>
 
-<file path=ppt/slides/slide7.xml><?xml version="1.0" encoding="utf-8"?>
+<file path=ppt/slides/slide8.xml><?xml version="1.0" encoding="utf-8"?>
 <p:sld xmlns:a="http://schemas.openxmlformats.org/drawingml/2006/main" xmlns:r="http://schemas.openxmlformats.org/officeDocument/2006/relationships" xmlns:p="http://schemas.openxmlformats.org/presentationml/2006/main">
   <p:cSld>
     <p:spTree>
@@ -19858,7 +20120,7 @@
           <a:p>
             <a:fld id="{6D22F896-40B5-4ADD-8801-0D06FADFA095}" type="slidenum">
               <a:rPr lang="en-US" smtClean="0"/>
-              <a:t>7</a:t>
+              <a:t>8</a:t>
             </a:fld>
             <a:endParaRPr lang="en-US" dirty="0"/>
           </a:p>
@@ -19907,7 +20169,7 @@
 </p:sld>
 </file>
 
-<file path=ppt/slides/slide8.xml><?xml version="1.0" encoding="utf-8"?>
+<file path=ppt/slides/slide9.xml><?xml version="1.0" encoding="utf-8"?>
 <p:sld xmlns:a="http://schemas.openxmlformats.org/drawingml/2006/main" xmlns:r="http://schemas.openxmlformats.org/officeDocument/2006/relationships" xmlns:p="http://schemas.openxmlformats.org/presentationml/2006/main">
   <p:cSld>
     <p:spTree>
@@ -19999,7 +20261,7 @@
           <a:p>
             <a:fld id="{6D22F896-40B5-4ADD-8801-0D06FADFA095}" type="slidenum">
               <a:rPr lang="en-US" smtClean="0"/>
-              <a:t>8</a:t>
+              <a:t>9</a:t>
             </a:fld>
             <a:endParaRPr lang="en-US" dirty="0"/>
           </a:p>
@@ -20039,166 +20301,6 @@
     <p:extLst>
       <p:ext uri="{BB962C8B-B14F-4D97-AF65-F5344CB8AC3E}">
         <p14:creationId xmlns:p14="http://schemas.microsoft.com/office/powerpoint/2010/main" val="3380543459"/>
-      </p:ext>
-    </p:extLst>
-  </p:cSld>
-  <p:clrMapOvr>
-    <a:masterClrMapping/>
-  </p:clrMapOvr>
-</p:sld>
-</file>
-
-<file path=ppt/slides/slide9.xml><?xml version="1.0" encoding="utf-8"?>
-<p:sld xmlns:a="http://schemas.openxmlformats.org/drawingml/2006/main" xmlns:r="http://schemas.openxmlformats.org/officeDocument/2006/relationships" xmlns:p="http://schemas.openxmlformats.org/presentationml/2006/main">
-  <p:cSld>
-    <p:spTree>
-      <p:nvGrpSpPr>
-        <p:cNvPr id="1" name=""/>
-        <p:cNvGrpSpPr/>
-        <p:nvPr/>
-      </p:nvGrpSpPr>
-      <p:grpSpPr>
-        <a:xfrm>
-          <a:off x="0" y="0"/>
-          <a:ext cx="0" cy="0"/>
-          <a:chOff x="0" y="0"/>
-          <a:chExt cx="0" cy="0"/>
-        </a:xfrm>
-      </p:grpSpPr>
-      <p:sp>
-        <p:nvSpPr>
-          <p:cNvPr id="3" name="Marcador de contenido 2">
-            <a:extLst>
-              <a:ext uri="{FF2B5EF4-FFF2-40B4-BE49-F238E27FC236}">
-                <a16:creationId xmlns:a16="http://schemas.microsoft.com/office/drawing/2014/main" id="{2D28CEDF-8371-12C0-F58A-60DB2AFA13EB}"/>
-              </a:ext>
-            </a:extLst>
-          </p:cNvPr>
-          <p:cNvSpPr>
-            <a:spLocks noGrp="1"/>
-          </p:cNvSpPr>
-          <p:nvPr>
-            <p:ph idx="1"/>
-          </p:nvPr>
-        </p:nvSpPr>
-        <p:spPr>
-          <a:xfrm>
-            <a:off x="25401" y="101602"/>
-            <a:ext cx="9895839" cy="1090357"/>
-          </a:xfrm>
-        </p:spPr>
-        <p:txBody>
-          <a:bodyPr/>
-          <a:lstStyle/>
-          <a:p>
-            <a:pPr marL="0" indent="0">
-              <a:buNone/>
-            </a:pPr>
-            <a:r>
-              <a:rPr lang="es-ES" sz="1400" b="1" dirty="0">
-                <a:solidFill>
-                  <a:schemeClr val="bg1"/>
-                </a:solidFill>
-                <a:latin typeface="Consolas" panose="020B0609020204030204" pitchFamily="49" charset="0"/>
-              </a:rPr>
-              <a:t>Facturas de servicios extras</a:t>
-            </a:r>
-            <a:r>
-              <a:rPr lang="es-ES" sz="1400" dirty="0">
-                <a:solidFill>
-                  <a:schemeClr val="bg1"/>
-                </a:solidFill>
-                <a:latin typeface="Consolas" panose="020B0609020204030204" pitchFamily="49" charset="0"/>
-              </a:rPr>
-              <a:t>: Completamos todas las facturas faltantes con 0. Tenemos en cuenta que aproximadamente la mitad de las personas a las que les falta alguna factura, están en modo </a:t>
-            </a:r>
-            <a:r>
-              <a:rPr lang="es-ES" sz="1400" dirty="0" err="1">
-                <a:solidFill>
-                  <a:schemeClr val="bg1"/>
-                </a:solidFill>
-                <a:latin typeface="Consolas" panose="020B0609020204030204" pitchFamily="49" charset="0"/>
-              </a:rPr>
-              <a:t>crionizado</a:t>
-            </a:r>
-            <a:r>
-              <a:rPr lang="es-ES" sz="1400" dirty="0">
-                <a:solidFill>
-                  <a:schemeClr val="bg1"/>
-                </a:solidFill>
-                <a:latin typeface="Consolas" panose="020B0609020204030204" pitchFamily="49" charset="0"/>
-              </a:rPr>
-              <a:t>, por lo que necesariamente tienen que tener en todas sus facturas un importe de 0.</a:t>
-            </a:r>
-          </a:p>
-          <a:p>
-            <a:endParaRPr lang="es-ES" dirty="0"/>
-          </a:p>
-        </p:txBody>
-      </p:sp>
-      <p:sp>
-        <p:nvSpPr>
-          <p:cNvPr id="6" name="Marcador de número de diapositiva 5">
-            <a:extLst>
-              <a:ext uri="{FF2B5EF4-FFF2-40B4-BE49-F238E27FC236}">
-                <a16:creationId xmlns:a16="http://schemas.microsoft.com/office/drawing/2014/main" id="{31D63628-8F8B-2BF7-6DE5-0B76607659DF}"/>
-              </a:ext>
-            </a:extLst>
-          </p:cNvPr>
-          <p:cNvSpPr>
-            <a:spLocks noGrp="1"/>
-          </p:cNvSpPr>
-          <p:nvPr>
-            <p:ph type="sldNum" sz="quarter" idx="12"/>
-          </p:nvPr>
-        </p:nvSpPr>
-        <p:spPr/>
-        <p:txBody>
-          <a:bodyPr/>
-          <a:lstStyle/>
-          <a:p>
-            <a:fld id="{6D22F896-40B5-4ADD-8801-0D06FADFA095}" type="slidenum">
-              <a:rPr lang="en-US" smtClean="0"/>
-              <a:t>9</a:t>
-            </a:fld>
-            <a:endParaRPr lang="en-US" dirty="0"/>
-          </a:p>
-        </p:txBody>
-      </p:sp>
-      <p:pic>
-        <p:nvPicPr>
-          <p:cNvPr id="4" name="Imagen 3">
-            <a:extLst>
-              <a:ext uri="{FF2B5EF4-FFF2-40B4-BE49-F238E27FC236}">
-                <a16:creationId xmlns:a16="http://schemas.microsoft.com/office/drawing/2014/main" id="{C8DA137D-E289-FD09-C1BB-F1F44405C8D9}"/>
-              </a:ext>
-            </a:extLst>
-          </p:cNvPr>
-          <p:cNvPicPr>
-            <a:picLocks noChangeAspect="1"/>
-          </p:cNvPicPr>
-          <p:nvPr/>
-        </p:nvPicPr>
-        <p:blipFill>
-          <a:blip r:embed="rId2"/>
-          <a:stretch>
-            <a:fillRect/>
-          </a:stretch>
-        </p:blipFill>
-        <p:spPr>
-          <a:xfrm>
-            <a:off x="802342" y="1165031"/>
-            <a:ext cx="8301316" cy="5591369"/>
-          </a:xfrm>
-          <a:prstGeom prst="rect">
-            <a:avLst/>
-          </a:prstGeom>
-        </p:spPr>
-      </p:pic>
-    </p:spTree>
-    <p:extLst>
-      <p:ext uri="{BB962C8B-B14F-4D97-AF65-F5344CB8AC3E}">
-        <p14:creationId xmlns:p14="http://schemas.microsoft.com/office/powerpoint/2010/main" val="3572477312"/>
       </p:ext>
     </p:extLst>
   </p:cSld>
